--- a/slide/slide-hl.pptx
+++ b/slide/slide-hl.pptx
@@ -5,14 +5,15 @@
     <p:sldMasterId id="2147483672" r:id="rId1"/>
   </p:sldMasterIdLst>
   <p:notesMasterIdLst>
-    <p:notesMasterId r:id="rId4"/>
+    <p:notesMasterId r:id="rId5"/>
   </p:notesMasterIdLst>
   <p:handoutMasterIdLst>
-    <p:handoutMasterId r:id="rId5"/>
+    <p:handoutMasterId r:id="rId6"/>
   </p:handoutMasterIdLst>
   <p:sldIdLst>
     <p:sldId id="322" r:id="rId2"/>
     <p:sldId id="336" r:id="rId3"/>
+    <p:sldId id="337" r:id="rId4"/>
   </p:sldIdLst>
   <p:sldSz cx="9144000" cy="6858000" type="screen4x3"/>
   <p:notesSz cx="6858000" cy="9144000"/>
@@ -3369,8 +3370,12 @@
               <a:buAutoNum type="arabicParenR"/>
             </a:pPr>
             <a:r>
+              <a:rPr lang="en-US" sz="2000" i="1" dirty="0"/>
+              <a:t>Procedure</a:t>
+            </a:r>
+            <a:r>
               <a:rPr lang="en-US" sz="2000" dirty="0"/>
-              <a:t>Procedure:</a:t>
+              <a:t>:</a:t>
             </a:r>
           </a:p>
           <a:p>
@@ -3429,7 +3434,12 @@
           <a:lstStyle/>
           <a:p>
             <a:r>
-              <a:rPr lang="en-US" dirty="0"/>
+              <a:rPr lang="en-US" dirty="0">
+                <a:solidFill>
+                  <a:srgbClr val="2D637F"/>
+                </a:solidFill>
+                <a:latin typeface="Lucida Grande"/>
+              </a:rPr>
               <a:t>②Sparse representation of the low-resolution input </a:t>
             </a:r>
           </a:p>
@@ -3522,7 +3532,12 @@
           <a:lstStyle/>
           <a:p>
             <a:r>
-              <a:rPr lang="en-US" dirty="0"/>
+              <a:rPr lang="en-US" dirty="0">
+                <a:solidFill>
+                  <a:srgbClr val="2D637F"/>
+                </a:solidFill>
+                <a:latin typeface="Lucida Grande"/>
+              </a:rPr>
               <a:t>④use the coefficients of this representation of low-resolution image to generate the high-resolution output</a:t>
             </a:r>
           </a:p>
@@ -3615,15 +3630,30 @@
           <a:lstStyle/>
           <a:p>
             <a:r>
-              <a:rPr lang="en-US" dirty="0"/>
+              <a:rPr lang="en-US" dirty="0">
+                <a:solidFill>
+                  <a:srgbClr val="2D637F"/>
+                </a:solidFill>
+                <a:latin typeface="Lucida Grande"/>
+              </a:rPr>
               <a:t>①Recover from the </a:t>
             </a:r>
             <a:r>
-              <a:rPr lang="en-US" dirty="0" err="1"/>
+              <a:rPr lang="en-US" dirty="0" err="1">
+                <a:solidFill>
+                  <a:srgbClr val="2D637F"/>
+                </a:solidFill>
+                <a:latin typeface="Lucida Grande"/>
+              </a:rPr>
               <a:t>downsampled</a:t>
             </a:r>
             <a:r>
-              <a:rPr lang="en-US" dirty="0"/>
+              <a:rPr lang="en-US" dirty="0">
+                <a:solidFill>
+                  <a:srgbClr val="2D637F"/>
+                </a:solidFill>
+                <a:latin typeface="Lucida Grande"/>
+              </a:rPr>
               <a:t> signals</a:t>
             </a:r>
           </a:p>
@@ -3672,7 +3702,12 @@
           <a:lstStyle/>
           <a:p>
             <a:r>
-              <a:rPr lang="en-US" dirty="0"/>
+              <a:rPr lang="en-US" dirty="0">
+                <a:solidFill>
+                  <a:srgbClr val="2D637F"/>
+                </a:solidFill>
+                <a:latin typeface="Lucida Grande"/>
+              </a:rPr>
               <a:t>③jointly training two dictionaries for the low- and high-resolution image patches</a:t>
             </a:r>
           </a:p>
@@ -3933,6 +3968,794 @@
     <p:extLst>
       <p:ext uri="{BB962C8B-B14F-4D97-AF65-F5344CB8AC3E}">
         <p14:creationId xmlns:p14="http://schemas.microsoft.com/office/powerpoint/2010/main" val="996862451"/>
+      </p:ext>
+    </p:extLst>
+  </p:cSld>
+  <p:clrMapOvr>
+    <a:masterClrMapping/>
+  </p:clrMapOvr>
+</p:sld>
+</file>
+
+<file path=ppt/slides/slide3.xml><?xml version="1.0" encoding="utf-8"?>
+<p:sld xmlns:a="http://schemas.openxmlformats.org/drawingml/2006/main" xmlns:r="http://schemas.openxmlformats.org/officeDocument/2006/relationships" xmlns:p="http://schemas.openxmlformats.org/presentationml/2006/main">
+  <p:cSld>
+    <p:spTree>
+      <p:nvGrpSpPr>
+        <p:cNvPr id="1" name=""/>
+        <p:cNvGrpSpPr/>
+        <p:nvPr/>
+      </p:nvGrpSpPr>
+      <p:grpSpPr>
+        <a:xfrm>
+          <a:off x="0" y="0"/>
+          <a:ext cx="0" cy="0"/>
+          <a:chOff x="0" y="0"/>
+          <a:chExt cx="0" cy="0"/>
+        </a:xfrm>
+      </p:grpSpPr>
+      <p:sp>
+        <p:nvSpPr>
+          <p:cNvPr id="2" name="Title 1">
+            <a:extLst>
+              <a:ext uri="{FF2B5EF4-FFF2-40B4-BE49-F238E27FC236}">
+                <a16:creationId xmlns:a16="http://schemas.microsoft.com/office/drawing/2014/main" id="{460A1CA8-FF96-44C8-88AB-99D791D4B189}"/>
+              </a:ext>
+            </a:extLst>
+          </p:cNvPr>
+          <p:cNvSpPr>
+            <a:spLocks noGrp="1"/>
+          </p:cNvSpPr>
+          <p:nvPr>
+            <p:ph type="title"/>
+          </p:nvPr>
+        </p:nvSpPr>
+        <p:spPr>
+          <a:xfrm>
+            <a:off x="164592" y="620045"/>
+            <a:ext cx="6065520" cy="404988"/>
+          </a:xfrm>
+        </p:spPr>
+        <p:txBody>
+          <a:bodyPr>
+            <a:noAutofit/>
+          </a:bodyPr>
+          <a:lstStyle/>
+          <a:p>
+            <a:r>
+              <a:rPr lang="en-US" altLang="zh-CN" b="0" dirty="0"/>
+              <a:t>I</a:t>
+            </a:r>
+            <a:r>
+              <a:rPr lang="en-US" b="0" dirty="0"/>
+              <a:t>mage Super-Resolution via Sparse Representation</a:t>
+            </a:r>
+            <a:endParaRPr lang="en-US" dirty="0"/>
+          </a:p>
+        </p:txBody>
+      </p:sp>
+      <mc:AlternateContent xmlns:mc="http://schemas.openxmlformats.org/markup-compatibility/2006">
+        <mc:Choice xmlns:a14="http://schemas.microsoft.com/office/drawing/2010/main" Requires="a14">
+          <p:sp>
+            <p:nvSpPr>
+              <p:cNvPr id="6" name="Content Placeholder 2">
+                <a:extLst>
+                  <a:ext uri="{FF2B5EF4-FFF2-40B4-BE49-F238E27FC236}">
+                    <a16:creationId xmlns:a16="http://schemas.microsoft.com/office/drawing/2014/main" id="{CC28A6F3-8328-4367-8E34-4BE3CFDAC3B3}"/>
+                  </a:ext>
+                </a:extLst>
+              </p:cNvPr>
+              <p:cNvSpPr txBox="1">
+                <a:spLocks/>
+              </p:cNvSpPr>
+              <p:nvPr/>
+            </p:nvSpPr>
+            <p:spPr>
+              <a:xfrm>
+                <a:off x="164592" y="1025033"/>
+                <a:ext cx="6236208" cy="4705207"/>
+              </a:xfrm>
+              <a:prstGeom prst="rect">
+                <a:avLst/>
+              </a:prstGeom>
+            </p:spPr>
+            <p:txBody>
+              <a:bodyPr vert="horz" lIns="91440" tIns="45720" rIns="91440" bIns="45720" rtlCol="0">
+                <a:normAutofit fontScale="92500" lnSpcReduction="10000"/>
+              </a:bodyPr>
+              <a:lstStyle>
+                <a:lvl1pPr marL="0" indent="0" algn="l" defTabSz="457200" rtl="0" eaLnBrk="1" latinLnBrk="0" hangingPunct="1">
+                  <a:spcBef>
+                    <a:spcPct val="20000"/>
+                  </a:spcBef>
+                  <a:buFont typeface="Arial"/>
+                  <a:buNone/>
+                  <a:defRPr sz="2200" kern="1200">
+                    <a:solidFill>
+                      <a:srgbClr val="2D637F"/>
+                    </a:solidFill>
+                    <a:latin typeface="Lucida Grande"/>
+                    <a:ea typeface="+mn-ea"/>
+                    <a:cs typeface="Lucida Grande"/>
+                  </a:defRPr>
+                </a:lvl1pPr>
+                <a:lvl2pPr marL="457200" indent="0" algn="ctr" defTabSz="457200" rtl="0" eaLnBrk="1" latinLnBrk="0" hangingPunct="1">
+                  <a:spcBef>
+                    <a:spcPct val="20000"/>
+                  </a:spcBef>
+                  <a:buFont typeface="Arial"/>
+                  <a:buNone/>
+                  <a:defRPr sz="2000" kern="1200">
+                    <a:solidFill>
+                      <a:schemeClr val="tx1">
+                        <a:tint val="75000"/>
+                      </a:schemeClr>
+                    </a:solidFill>
+                    <a:latin typeface="Lucida Grande"/>
+                    <a:ea typeface="+mn-ea"/>
+                    <a:cs typeface="Lucida Grande"/>
+                  </a:defRPr>
+                </a:lvl2pPr>
+                <a:lvl3pPr marL="914400" indent="0" algn="ctr" defTabSz="457200" rtl="0" eaLnBrk="1" latinLnBrk="0" hangingPunct="1">
+                  <a:spcBef>
+                    <a:spcPct val="20000"/>
+                  </a:spcBef>
+                  <a:buFont typeface="Arial"/>
+                  <a:buNone/>
+                  <a:defRPr sz="1800" kern="1200">
+                    <a:solidFill>
+                      <a:schemeClr val="tx1">
+                        <a:tint val="75000"/>
+                      </a:schemeClr>
+                    </a:solidFill>
+                    <a:latin typeface="Lucida Grande"/>
+                    <a:ea typeface="+mn-ea"/>
+                    <a:cs typeface="Lucida Grande"/>
+                  </a:defRPr>
+                </a:lvl3pPr>
+                <a:lvl4pPr marL="1371600" indent="0" algn="ctr" defTabSz="457200" rtl="0" eaLnBrk="1" latinLnBrk="0" hangingPunct="1">
+                  <a:spcBef>
+                    <a:spcPct val="20000"/>
+                  </a:spcBef>
+                  <a:buFont typeface="Arial"/>
+                  <a:buNone/>
+                  <a:defRPr sz="1600" kern="1200">
+                    <a:solidFill>
+                      <a:schemeClr val="tx1">
+                        <a:tint val="75000"/>
+                      </a:schemeClr>
+                    </a:solidFill>
+                    <a:latin typeface="Lucida Grande"/>
+                    <a:ea typeface="+mn-ea"/>
+                    <a:cs typeface="Lucida Grande"/>
+                  </a:defRPr>
+                </a:lvl4pPr>
+                <a:lvl5pPr marL="1828800" indent="0" algn="ctr" defTabSz="457200" rtl="0" eaLnBrk="1" latinLnBrk="0" hangingPunct="1">
+                  <a:spcBef>
+                    <a:spcPct val="20000"/>
+                  </a:spcBef>
+                  <a:buFont typeface="Arial"/>
+                  <a:buNone/>
+                  <a:defRPr sz="1400" kern="1200">
+                    <a:solidFill>
+                      <a:schemeClr val="tx1">
+                        <a:tint val="75000"/>
+                      </a:schemeClr>
+                    </a:solidFill>
+                    <a:latin typeface="Lucida Grande"/>
+                    <a:ea typeface="+mn-ea"/>
+                    <a:cs typeface="Lucida Grande"/>
+                  </a:defRPr>
+                </a:lvl5pPr>
+                <a:lvl6pPr marL="2286000" indent="0" algn="ctr" defTabSz="457200" rtl="0" eaLnBrk="1" latinLnBrk="0" hangingPunct="1">
+                  <a:spcBef>
+                    <a:spcPct val="20000"/>
+                  </a:spcBef>
+                  <a:buFont typeface="Arial"/>
+                  <a:buNone/>
+                  <a:defRPr sz="2000" kern="1200">
+                    <a:solidFill>
+                      <a:schemeClr val="tx1">
+                        <a:tint val="75000"/>
+                      </a:schemeClr>
+                    </a:solidFill>
+                    <a:latin typeface="+mn-lt"/>
+                    <a:ea typeface="+mn-ea"/>
+                    <a:cs typeface="+mn-cs"/>
+                  </a:defRPr>
+                </a:lvl6pPr>
+                <a:lvl7pPr marL="2743200" indent="0" algn="ctr" defTabSz="457200" rtl="0" eaLnBrk="1" latinLnBrk="0" hangingPunct="1">
+                  <a:spcBef>
+                    <a:spcPct val="20000"/>
+                  </a:spcBef>
+                  <a:buFont typeface="Arial"/>
+                  <a:buNone/>
+                  <a:defRPr sz="2000" kern="1200">
+                    <a:solidFill>
+                      <a:schemeClr val="tx1">
+                        <a:tint val="75000"/>
+                      </a:schemeClr>
+                    </a:solidFill>
+                    <a:latin typeface="+mn-lt"/>
+                    <a:ea typeface="+mn-ea"/>
+                    <a:cs typeface="+mn-cs"/>
+                  </a:defRPr>
+                </a:lvl7pPr>
+                <a:lvl8pPr marL="3200400" indent="0" algn="ctr" defTabSz="457200" rtl="0" eaLnBrk="1" latinLnBrk="0" hangingPunct="1">
+                  <a:spcBef>
+                    <a:spcPct val="20000"/>
+                  </a:spcBef>
+                  <a:buFont typeface="Arial"/>
+                  <a:buNone/>
+                  <a:defRPr sz="2000" kern="1200">
+                    <a:solidFill>
+                      <a:schemeClr val="tx1">
+                        <a:tint val="75000"/>
+                      </a:schemeClr>
+                    </a:solidFill>
+                    <a:latin typeface="+mn-lt"/>
+                    <a:ea typeface="+mn-ea"/>
+                    <a:cs typeface="+mn-cs"/>
+                  </a:defRPr>
+                </a:lvl8pPr>
+                <a:lvl9pPr marL="3657600" indent="0" algn="ctr" defTabSz="457200" rtl="0" eaLnBrk="1" latinLnBrk="0" hangingPunct="1">
+                  <a:spcBef>
+                    <a:spcPct val="20000"/>
+                  </a:spcBef>
+                  <a:buFont typeface="Arial"/>
+                  <a:buNone/>
+                  <a:defRPr sz="2000" kern="1200">
+                    <a:solidFill>
+                      <a:schemeClr val="tx1">
+                        <a:tint val="75000"/>
+                      </a:schemeClr>
+                    </a:solidFill>
+                    <a:latin typeface="+mn-lt"/>
+                    <a:ea typeface="+mn-ea"/>
+                    <a:cs typeface="+mn-cs"/>
+                  </a:defRPr>
+                </a:lvl9pPr>
+              </a:lstStyle>
+              <a:p>
+                <a:pPr marL="342900" indent="-342900">
+                  <a:buFont typeface="Arial" panose="020B0604020202020204" pitchFamily="34" charset="0"/>
+                  <a:buChar char="•"/>
+                </a:pPr>
+                <a:r>
+                  <a:rPr lang="en-US" dirty="0"/>
+                  <a:t>Basic idea:</a:t>
+                </a:r>
+                <a:r>
+                  <a:rPr lang="en-US" altLang="zh-CN" sz="2000" dirty="0"/>
+                  <a:t>	</a:t>
+                </a:r>
+              </a:p>
+              <a:p>
+                <a:pPr marL="457200" indent="-457200">
+                  <a:buFont typeface="+mj-lt"/>
+                  <a:buAutoNum type="arabicParenR"/>
+                </a:pPr>
+                <a:r>
+                  <a:rPr lang="en-US" sz="2000" dirty="0"/>
+                  <a:t>Under certain conditions, any sufficiently sparse linear representation of a high-resolution image patch can be recovered almost perfectly form the low-resolution image patch</a:t>
+                </a:r>
+              </a:p>
+              <a:p>
+                <a:pPr marL="457200" indent="-457200">
+                  <a:buFont typeface="+mj-lt"/>
+                  <a:buAutoNum type="arabicParenR"/>
+                </a:pPr>
+                <a14:m>
+                  <m:oMath xmlns:m="http://schemas.openxmlformats.org/officeDocument/2006/math">
+                    <m:r>
+                      <a:rPr lang="en-US" b="0" i="1" smtClean="0">
+                        <a:latin typeface="Cambria Math" panose="02040503050406030204" pitchFamily="18" charset="0"/>
+                      </a:rPr>
+                      <m:t>𝐷</m:t>
+                    </m:r>
+                    <m:r>
+                      <a:rPr lang="en-US" b="0" i="1" smtClean="0">
+                        <a:latin typeface="Cambria Math" panose="02040503050406030204" pitchFamily="18" charset="0"/>
+                      </a:rPr>
+                      <m:t>∈</m:t>
+                    </m:r>
+                    <m:sSup>
+                      <m:sSupPr>
+                        <m:ctrlPr>
+                          <a:rPr lang="en-US" b="0" i="1" smtClean="0">
+                            <a:latin typeface="Cambria Math" panose="02040503050406030204" pitchFamily="18" charset="0"/>
+                          </a:rPr>
+                        </m:ctrlPr>
+                      </m:sSupPr>
+                      <m:e>
+                        <m:r>
+                          <a:rPr lang="en-US" b="0" i="1" smtClean="0">
+                            <a:latin typeface="Cambria Math" panose="02040503050406030204" pitchFamily="18" charset="0"/>
+                          </a:rPr>
+                          <m:t>𝑅</m:t>
+                        </m:r>
+                      </m:e>
+                      <m:sup>
+                        <m:r>
+                          <a:rPr lang="en-US" b="0" i="1" smtClean="0">
+                            <a:latin typeface="Cambria Math" panose="02040503050406030204" pitchFamily="18" charset="0"/>
+                          </a:rPr>
+                          <m:t>𝑛</m:t>
+                        </m:r>
+                        <m:r>
+                          <a:rPr lang="en-US" b="0" i="1" smtClean="0">
+                            <a:latin typeface="Cambria Math" panose="02040503050406030204" pitchFamily="18" charset="0"/>
+                          </a:rPr>
+                          <m:t>×</m:t>
+                        </m:r>
+                        <m:r>
+                          <a:rPr lang="en-US" b="0" i="1" smtClean="0">
+                            <a:latin typeface="Cambria Math" panose="02040503050406030204" pitchFamily="18" charset="0"/>
+                          </a:rPr>
+                          <m:t>𝐾</m:t>
+                        </m:r>
+                      </m:sup>
+                    </m:sSup>
+                  </m:oMath>
+                </a14:m>
+                <a:r>
+                  <a:rPr lang="en-US" sz="2000" dirty="0"/>
+                  <a:t>: overcomplete dictionary of K features</a:t>
+                </a:r>
+              </a:p>
+              <a:p>
+                <a:pPr marL="457200" indent="-457200">
+                  <a:buFont typeface="+mj-lt"/>
+                  <a:buAutoNum type="arabicParenR"/>
+                </a:pPr>
+                <a14:m>
+                  <m:oMath xmlns:m="http://schemas.openxmlformats.org/officeDocument/2006/math">
+                    <m:r>
+                      <a:rPr lang="en-US" sz="2000" b="0" i="1" smtClean="0">
+                        <a:latin typeface="Cambria Math" panose="02040503050406030204" pitchFamily="18" charset="0"/>
+                      </a:rPr>
+                      <m:t>𝑥</m:t>
+                    </m:r>
+                    <m:r>
+                      <a:rPr lang="en-US" sz="2000" b="0" i="1" smtClean="0">
+                        <a:latin typeface="Cambria Math" panose="02040503050406030204" pitchFamily="18" charset="0"/>
+                      </a:rPr>
+                      <m:t>=</m:t>
+                    </m:r>
+                    <m:r>
+                      <a:rPr lang="en-US" sz="2000" b="0" i="1" smtClean="0">
+                        <a:latin typeface="Cambria Math" panose="02040503050406030204" pitchFamily="18" charset="0"/>
+                      </a:rPr>
+                      <m:t>𝐷</m:t>
+                    </m:r>
+                    <m:r>
+                      <a:rPr lang="en-US" sz="2000" b="0" i="1" smtClean="0">
+                        <a:latin typeface="Cambria Math" panose="02040503050406030204" pitchFamily="18" charset="0"/>
+                      </a:rPr>
+                      <m:t>𝛼</m:t>
+                    </m:r>
+                  </m:oMath>
+                </a14:m>
+                <a:r>
+                  <a:rPr lang="en-US" sz="2000" dirty="0"/>
+                  <a:t>: image patch, where </a:t>
+                </a:r>
+                <a14:m>
+                  <m:oMath xmlns:m="http://schemas.openxmlformats.org/officeDocument/2006/math">
+                    <m:r>
+                      <a:rPr lang="en-US" sz="2000" b="0" i="1" smtClean="0">
+                        <a:latin typeface="Cambria Math" panose="02040503050406030204" pitchFamily="18" charset="0"/>
+                      </a:rPr>
+                      <m:t>𝛼</m:t>
+                    </m:r>
+                    <m:r>
+                      <a:rPr lang="en-US" sz="2000" b="0" i="1" smtClean="0">
+                        <a:latin typeface="Cambria Math" panose="02040503050406030204" pitchFamily="18" charset="0"/>
+                      </a:rPr>
+                      <m:t>∈</m:t>
+                    </m:r>
+                    <m:sSup>
+                      <m:sSupPr>
+                        <m:ctrlPr>
+                          <a:rPr lang="en-US" sz="2000" i="1">
+                            <a:latin typeface="Cambria Math" panose="02040503050406030204" pitchFamily="18" charset="0"/>
+                          </a:rPr>
+                        </m:ctrlPr>
+                      </m:sSupPr>
+                      <m:e>
+                        <m:r>
+                          <a:rPr lang="en-US" sz="2000" i="1">
+                            <a:latin typeface="Cambria Math" panose="02040503050406030204" pitchFamily="18" charset="0"/>
+                          </a:rPr>
+                          <m:t>𝑅</m:t>
+                        </m:r>
+                      </m:e>
+                      <m:sup>
+                        <m:r>
+                          <a:rPr lang="en-US" sz="2000" i="1">
+                            <a:latin typeface="Cambria Math" panose="02040503050406030204" pitchFamily="18" charset="0"/>
+                          </a:rPr>
+                          <m:t>𝐾</m:t>
+                        </m:r>
+                      </m:sup>
+                    </m:sSup>
+                  </m:oMath>
+                </a14:m>
+                <a:r>
+                  <a:rPr lang="en-US" sz="2000" dirty="0"/>
+                  <a:t> is a sparse vector</a:t>
+                </a:r>
+              </a:p>
+              <a:p>
+                <a:pPr marL="457200" indent="-457200">
+                  <a:buFont typeface="+mj-lt"/>
+                  <a:buAutoNum type="arabicParenR"/>
+                </a:pPr>
+                <a14:m>
+                  <m:oMath xmlns:m="http://schemas.openxmlformats.org/officeDocument/2006/math">
+                    <m:r>
+                      <a:rPr lang="en-US" sz="2000" b="0" i="1" smtClean="0">
+                        <a:latin typeface="Cambria Math" panose="02040503050406030204" pitchFamily="18" charset="0"/>
+                      </a:rPr>
+                      <m:t>𝑦</m:t>
+                    </m:r>
+                    <m:r>
+                      <a:rPr lang="en-US" sz="2000" b="0" i="1" smtClean="0">
+                        <a:latin typeface="Cambria Math" panose="02040503050406030204" pitchFamily="18" charset="0"/>
+                      </a:rPr>
+                      <m:t>=</m:t>
+                    </m:r>
+                    <m:r>
+                      <a:rPr lang="en-US" sz="2000" b="0" i="1" smtClean="0">
+                        <a:latin typeface="Cambria Math" panose="02040503050406030204" pitchFamily="18" charset="0"/>
+                      </a:rPr>
+                      <m:t>𝐿𝐷</m:t>
+                    </m:r>
+                    <m:r>
+                      <a:rPr lang="en-US" sz="2000" b="0" i="1" smtClean="0">
+                        <a:latin typeface="Cambria Math" panose="02040503050406030204" pitchFamily="18" charset="0"/>
+                      </a:rPr>
+                      <m:t>𝛼</m:t>
+                    </m:r>
+                  </m:oMath>
+                </a14:m>
+                <a:r>
+                  <a:rPr lang="en-US" sz="2000" dirty="0"/>
+                  <a:t>: </a:t>
+                </a:r>
+              </a:p>
+              <a:p>
+                <a:r>
+                  <a:rPr lang="en-US" sz="2000" dirty="0"/>
+                  <a:t>	- </a:t>
+                </a:r>
+                <a14:m>
+                  <m:oMath xmlns:m="http://schemas.openxmlformats.org/officeDocument/2006/math">
+                    <m:r>
+                      <a:rPr lang="en-US" sz="2000" i="1" dirty="0" smtClean="0">
+                        <a:latin typeface="Cambria Math" panose="02040503050406030204" pitchFamily="18" charset="0"/>
+                      </a:rPr>
+                      <m:t>𝐿</m:t>
+                    </m:r>
+                  </m:oMath>
+                </a14:m>
+                <a:r>
+                  <a:rPr lang="en-US" sz="2000" dirty="0"/>
+                  <a:t>: projection matrix</a:t>
+                </a:r>
+              </a:p>
+              <a:p>
+                <a:r>
+                  <a:rPr lang="en-US" sz="2000" dirty="0"/>
+                  <a:t>	- </a:t>
+                </a:r>
+                <a14:m>
+                  <m:oMath xmlns:m="http://schemas.openxmlformats.org/officeDocument/2006/math">
+                    <m:r>
+                      <a:rPr lang="en-US" sz="2000" b="0" i="1" smtClean="0">
+                        <a:latin typeface="Cambria Math" panose="02040503050406030204" pitchFamily="18" charset="0"/>
+                      </a:rPr>
+                      <m:t>𝑥</m:t>
+                    </m:r>
+                  </m:oMath>
+                </a14:m>
+                <a:r>
+                  <a:rPr lang="en-US" sz="2000" dirty="0"/>
+                  <a:t> is a high-resolution image patch, </a:t>
+                </a:r>
+                <a14:m>
+                  <m:oMath xmlns:m="http://schemas.openxmlformats.org/officeDocument/2006/math">
+                    <m:r>
+                      <a:rPr lang="en-US" sz="2000" b="0" i="1" smtClean="0">
+                        <a:latin typeface="Cambria Math" panose="02040503050406030204" pitchFamily="18" charset="0"/>
+                      </a:rPr>
+                      <m:t>𝑦</m:t>
+                    </m:r>
+                  </m:oMath>
+                </a14:m>
+                <a:r>
+                  <a:rPr lang="en-US" sz="2000" dirty="0"/>
+                  <a:t> is its low-	  	  resolution counterpart</a:t>
+                </a:r>
+              </a:p>
+              <a:p>
+                <a:r>
+                  <a:rPr lang="en-US" sz="2000" dirty="0"/>
+                  <a:t>	- two coupled dictionaries: </a:t>
+                </a:r>
+                <a14:m>
+                  <m:oMath xmlns:m="http://schemas.openxmlformats.org/officeDocument/2006/math">
+                    <m:sSub>
+                      <m:sSubPr>
+                        <m:ctrlPr>
+                          <a:rPr lang="en-US" sz="2000" b="0" i="1" smtClean="0">
+                            <a:latin typeface="Cambria Math" panose="02040503050406030204" pitchFamily="18" charset="0"/>
+                          </a:rPr>
+                        </m:ctrlPr>
+                      </m:sSubPr>
+                      <m:e>
+                        <m:r>
+                          <a:rPr lang="en-US" sz="2000" b="0" i="1" smtClean="0">
+                            <a:latin typeface="Cambria Math" panose="02040503050406030204" pitchFamily="18" charset="0"/>
+                          </a:rPr>
+                          <m:t>𝐷</m:t>
+                        </m:r>
+                      </m:e>
+                      <m:sub>
+                        <m:r>
+                          <a:rPr lang="en-US" sz="2000" b="0" i="1" smtClean="0">
+                            <a:latin typeface="Cambria Math" panose="02040503050406030204" pitchFamily="18" charset="0"/>
+                          </a:rPr>
+                          <m:t>h</m:t>
+                        </m:r>
+                      </m:sub>
+                    </m:sSub>
+                  </m:oMath>
+                </a14:m>
+                <a:r>
+                  <a:rPr lang="en-US" sz="2000" dirty="0"/>
+                  <a:t> and </a:t>
+                </a:r>
+                <a14:m>
+                  <m:oMath xmlns:m="http://schemas.openxmlformats.org/officeDocument/2006/math">
+                    <m:sSub>
+                      <m:sSubPr>
+                        <m:ctrlPr>
+                          <a:rPr lang="en-US" sz="2000" b="0" i="1" smtClean="0">
+                            <a:latin typeface="Cambria Math" panose="02040503050406030204" pitchFamily="18" charset="0"/>
+                          </a:rPr>
+                        </m:ctrlPr>
+                      </m:sSubPr>
+                      <m:e>
+                        <m:r>
+                          <a:rPr lang="en-US" sz="2000" b="0" i="1" smtClean="0">
+                            <a:latin typeface="Cambria Math" panose="02040503050406030204" pitchFamily="18" charset="0"/>
+                          </a:rPr>
+                          <m:t>𝐷</m:t>
+                        </m:r>
+                      </m:e>
+                      <m:sub>
+                        <m:r>
+                          <a:rPr lang="en-US" sz="2000" b="0" i="1" smtClean="0">
+                            <a:latin typeface="Cambria Math" panose="02040503050406030204" pitchFamily="18" charset="0"/>
+                          </a:rPr>
+                          <m:t>𝑙</m:t>
+                        </m:r>
+                      </m:sub>
+                    </m:sSub>
+                  </m:oMath>
+                </a14:m>
+                <a:endParaRPr lang="en-US" sz="2000" dirty="0"/>
+              </a:p>
+              <a:p>
+                <a:r>
+                  <a:rPr lang="en-US" sz="2000" dirty="0"/>
+                  <a:t>	- concatenate </a:t>
+                </a:r>
+                <a14:m>
+                  <m:oMath xmlns:m="http://schemas.openxmlformats.org/officeDocument/2006/math">
+                    <m:sSub>
+                      <m:sSubPr>
+                        <m:ctrlPr>
+                          <a:rPr lang="en-US" sz="2000" i="1">
+                            <a:latin typeface="Cambria Math" panose="02040503050406030204" pitchFamily="18" charset="0"/>
+                          </a:rPr>
+                        </m:ctrlPr>
+                      </m:sSubPr>
+                      <m:e>
+                        <m:r>
+                          <a:rPr lang="en-US" sz="2000" i="1">
+                            <a:latin typeface="Cambria Math" panose="02040503050406030204" pitchFamily="18" charset="0"/>
+                          </a:rPr>
+                          <m:t>𝐷</m:t>
+                        </m:r>
+                      </m:e>
+                      <m:sub>
+                        <m:r>
+                          <a:rPr lang="en-US" sz="2000" i="1">
+                            <a:latin typeface="Cambria Math" panose="02040503050406030204" pitchFamily="18" charset="0"/>
+                          </a:rPr>
+                          <m:t>h</m:t>
+                        </m:r>
+                      </m:sub>
+                    </m:sSub>
+                  </m:oMath>
+                </a14:m>
+                <a:r>
+                  <a:rPr lang="en-US" sz="2000" dirty="0"/>
+                  <a:t> and </a:t>
+                </a:r>
+                <a14:m>
+                  <m:oMath xmlns:m="http://schemas.openxmlformats.org/officeDocument/2006/math">
+                    <m:sSub>
+                      <m:sSubPr>
+                        <m:ctrlPr>
+                          <a:rPr lang="en-US" sz="2000" i="1">
+                            <a:latin typeface="Cambria Math" panose="02040503050406030204" pitchFamily="18" charset="0"/>
+                          </a:rPr>
+                        </m:ctrlPr>
+                      </m:sSubPr>
+                      <m:e>
+                        <m:r>
+                          <a:rPr lang="en-US" sz="2000" i="1">
+                            <a:latin typeface="Cambria Math" panose="02040503050406030204" pitchFamily="18" charset="0"/>
+                          </a:rPr>
+                          <m:t>𝐷</m:t>
+                        </m:r>
+                      </m:e>
+                      <m:sub>
+                        <m:r>
+                          <a:rPr lang="en-US" sz="2000" i="1">
+                            <a:latin typeface="Cambria Math" panose="02040503050406030204" pitchFamily="18" charset="0"/>
+                          </a:rPr>
+                          <m:t>𝑙</m:t>
+                        </m:r>
+                      </m:sub>
+                    </m:sSub>
+                  </m:oMath>
+                </a14:m>
+                <a:r>
+                  <a:rPr lang="en-US" sz="2000" dirty="0"/>
+                  <a:t> with normalization for 		   consistent sparse representation</a:t>
+                </a:r>
+              </a:p>
+              <a:p>
+                <a:pPr lvl="1"/>
+                <a:endParaRPr lang="en-US" dirty="0"/>
+              </a:p>
+            </p:txBody>
+          </p:sp>
+        </mc:Choice>
+        <mc:Fallback>
+          <p:sp>
+            <p:nvSpPr>
+              <p:cNvPr id="6" name="Content Placeholder 2">
+                <a:extLst>
+                  <a:ext uri="{FF2B5EF4-FFF2-40B4-BE49-F238E27FC236}">
+                    <a16:creationId xmlns:a16="http://schemas.microsoft.com/office/drawing/2014/main" id="{CC28A6F3-8328-4367-8E34-4BE3CFDAC3B3}"/>
+                  </a:ext>
+                </a:extLst>
+              </p:cNvPr>
+              <p:cNvSpPr txBox="1">
+                <a:spLocks noRot="1" noChangeAspect="1" noMove="1" noResize="1" noEditPoints="1" noAdjustHandles="1" noChangeArrowheads="1" noChangeShapeType="1" noTextEdit="1"/>
+              </p:cNvSpPr>
+              <p:nvPr/>
+            </p:nvSpPr>
+            <p:spPr>
+              <a:xfrm>
+                <a:off x="164592" y="1025033"/>
+                <a:ext cx="6236208" cy="4705207"/>
+              </a:xfrm>
+              <a:prstGeom prst="rect">
+                <a:avLst/>
+              </a:prstGeom>
+              <a:blipFill>
+                <a:blip r:embed="rId2"/>
+                <a:stretch>
+                  <a:fillRect l="-1173" t="-1166"/>
+                </a:stretch>
+              </a:blipFill>
+            </p:spPr>
+            <p:txBody>
+              <a:bodyPr/>
+              <a:lstStyle/>
+              <a:p>
+                <a:r>
+                  <a:rPr lang="en-US">
+                    <a:noFill/>
+                  </a:rPr>
+                  <a:t> </a:t>
+                </a:r>
+              </a:p>
+            </p:txBody>
+          </p:sp>
+        </mc:Fallback>
+      </mc:AlternateContent>
+      <p:pic>
+        <p:nvPicPr>
+          <p:cNvPr id="7" name="Picture 6">
+            <a:extLst>
+              <a:ext uri="{FF2B5EF4-FFF2-40B4-BE49-F238E27FC236}">
+                <a16:creationId xmlns:a16="http://schemas.microsoft.com/office/drawing/2014/main" id="{42EF4344-6407-462F-8804-F7FDF24F54DD}"/>
+              </a:ext>
+            </a:extLst>
+          </p:cNvPr>
+          <p:cNvPicPr>
+            <a:picLocks noChangeAspect="1"/>
+          </p:cNvPicPr>
+          <p:nvPr/>
+        </p:nvPicPr>
+        <p:blipFill>
+          <a:blip r:embed="rId3"/>
+          <a:stretch>
+            <a:fillRect/>
+          </a:stretch>
+        </p:blipFill>
+        <p:spPr>
+          <a:xfrm>
+            <a:off x="6230112" y="1025033"/>
+            <a:ext cx="2439535" cy="2226981"/>
+          </a:xfrm>
+          <a:prstGeom prst="rect">
+            <a:avLst/>
+          </a:prstGeom>
+        </p:spPr>
+      </p:pic>
+      <p:sp>
+        <p:nvSpPr>
+          <p:cNvPr id="21" name="Title 1">
+            <a:extLst>
+              <a:ext uri="{FF2B5EF4-FFF2-40B4-BE49-F238E27FC236}">
+                <a16:creationId xmlns:a16="http://schemas.microsoft.com/office/drawing/2014/main" id="{C1675A1F-1AC5-4926-91F3-A40011CD9EA1}"/>
+              </a:ext>
+            </a:extLst>
+          </p:cNvPr>
+          <p:cNvSpPr txBox="1">
+            <a:spLocks/>
+          </p:cNvSpPr>
+          <p:nvPr/>
+        </p:nvSpPr>
+        <p:spPr>
+          <a:xfrm>
+            <a:off x="6057243" y="3252014"/>
+            <a:ext cx="2773680" cy="661850"/>
+          </a:xfrm>
+          <a:prstGeom prst="rect">
+            <a:avLst/>
+          </a:prstGeom>
+        </p:spPr>
+        <p:txBody>
+          <a:bodyPr vert="horz" lIns="91440" tIns="45720" rIns="91440" bIns="45720" rtlCol="0" anchor="b">
+            <a:normAutofit fontScale="92500" lnSpcReduction="20000"/>
+          </a:bodyPr>
+          <a:lstStyle>
+            <a:lvl1pPr algn="l" defTabSz="457200" rtl="0" eaLnBrk="1" latinLnBrk="0" hangingPunct="1">
+              <a:spcBef>
+                <a:spcPct val="0"/>
+              </a:spcBef>
+              <a:buNone/>
+              <a:defRPr sz="2000" b="1" kern="1200">
+                <a:solidFill>
+                  <a:srgbClr val="C28220"/>
+                </a:solidFill>
+                <a:latin typeface="Georgia"/>
+                <a:ea typeface="+mj-ea"/>
+                <a:cs typeface="Georgia"/>
+              </a:defRPr>
+            </a:lvl1pPr>
+          </a:lstStyle>
+          <a:p>
+            <a:r>
+              <a:rPr lang="en-US" sz="1000" dirty="0"/>
+              <a:t>The high-resolution image patch dictionary trained using 100,000 high resolution and low-resolution image patch pairs sampled from the generic training images. (Yang, J., Wright, J., Huang, T. S., &amp; Ma, Y. (2010))</a:t>
+            </a:r>
+          </a:p>
+        </p:txBody>
+      </p:sp>
+    </p:spTree>
+    <p:extLst>
+      <p:ext uri="{BB962C8B-B14F-4D97-AF65-F5344CB8AC3E}">
+        <p14:creationId xmlns:p14="http://schemas.microsoft.com/office/powerpoint/2010/main" val="1488588818"/>
       </p:ext>
     </p:extLst>
   </p:cSld>
